--- a/Discussion Documents/GRA UML OMG Initial Submission.pptx
+++ b/Discussion Documents/GRA UML OMG Initial Submission.pptx
@@ -335,7 +335,7 @@
           <a:p>
             <a:fld id="{A3B9AB5F-06E9-4442-A827-321CB3A01200}" type="datetimeFigureOut">
               <a:rPr lang="en-US" smtClean="0"/>
-              <a:t>9/10/2014</a:t>
+              <a:t>9/13/2014</a:t>
             </a:fld>
             <a:endParaRPr lang="en-US"/>
           </a:p>
@@ -500,7 +500,7 @@
           <a:p>
             <a:fld id="{A3B9AB5F-06E9-4442-A827-321CB3A01200}" type="datetimeFigureOut">
               <a:rPr lang="en-US" smtClean="0"/>
-              <a:t>9/10/2014</a:t>
+              <a:t>9/13/2014</a:t>
             </a:fld>
             <a:endParaRPr lang="en-US"/>
           </a:p>
@@ -675,7 +675,7 @@
           <a:p>
             <a:fld id="{A3B9AB5F-06E9-4442-A827-321CB3A01200}" type="datetimeFigureOut">
               <a:rPr lang="en-US" smtClean="0"/>
-              <a:t>9/10/2014</a:t>
+              <a:t>9/13/2014</a:t>
             </a:fld>
             <a:endParaRPr lang="en-US"/>
           </a:p>
@@ -840,7 +840,7 @@
           <a:p>
             <a:fld id="{A3B9AB5F-06E9-4442-A827-321CB3A01200}" type="datetimeFigureOut">
               <a:rPr lang="en-US" smtClean="0"/>
-              <a:t>9/10/2014</a:t>
+              <a:t>9/13/2014</a:t>
             </a:fld>
             <a:endParaRPr lang="en-US"/>
           </a:p>
@@ -1081,7 +1081,7 @@
           <a:p>
             <a:fld id="{A3B9AB5F-06E9-4442-A827-321CB3A01200}" type="datetimeFigureOut">
               <a:rPr lang="en-US" smtClean="0"/>
-              <a:t>9/10/2014</a:t>
+              <a:t>9/13/2014</a:t>
             </a:fld>
             <a:endParaRPr lang="en-US"/>
           </a:p>
@@ -1364,7 +1364,7 @@
           <a:p>
             <a:fld id="{A3B9AB5F-06E9-4442-A827-321CB3A01200}" type="datetimeFigureOut">
               <a:rPr lang="en-US" smtClean="0"/>
-              <a:t>9/10/2014</a:t>
+              <a:t>9/13/2014</a:t>
             </a:fld>
             <a:endParaRPr lang="en-US"/>
           </a:p>
@@ -1793,7 +1793,7 @@
           <a:p>
             <a:fld id="{A3B9AB5F-06E9-4442-A827-321CB3A01200}" type="datetimeFigureOut">
               <a:rPr lang="en-US" smtClean="0"/>
-              <a:t>9/10/2014</a:t>
+              <a:t>9/13/2014</a:t>
             </a:fld>
             <a:endParaRPr lang="en-US"/>
           </a:p>
@@ -1906,7 +1906,7 @@
           <a:p>
             <a:fld id="{A3B9AB5F-06E9-4442-A827-321CB3A01200}" type="datetimeFigureOut">
               <a:rPr lang="en-US" smtClean="0"/>
-              <a:t>9/10/2014</a:t>
+              <a:t>9/13/2014</a:t>
             </a:fld>
             <a:endParaRPr lang="en-US"/>
           </a:p>
@@ -1996,7 +1996,7 @@
           <a:p>
             <a:fld id="{A3B9AB5F-06E9-4442-A827-321CB3A01200}" type="datetimeFigureOut">
               <a:rPr lang="en-US" smtClean="0"/>
-              <a:t>9/10/2014</a:t>
+              <a:t>9/13/2014</a:t>
             </a:fld>
             <a:endParaRPr lang="en-US"/>
           </a:p>
@@ -2185,7 +2185,7 @@
           <a:p>
             <a:fld id="{A3B9AB5F-06E9-4442-A827-321CB3A01200}" type="datetimeFigureOut">
               <a:rPr lang="en-US" smtClean="0"/>
-              <a:t>9/10/2014</a:t>
+              <a:t>9/13/2014</a:t>
             </a:fld>
             <a:endParaRPr lang="en-US"/>
           </a:p>
@@ -2503,7 +2503,7 @@
           <a:p>
             <a:fld id="{A3B9AB5F-06E9-4442-A827-321CB3A01200}" type="datetimeFigureOut">
               <a:rPr lang="en-US" smtClean="0"/>
-              <a:t>9/10/2014</a:t>
+              <a:t>9/13/2014</a:t>
             </a:fld>
             <a:endParaRPr lang="en-US"/>
           </a:p>
@@ -2882,7 +2882,7 @@
           <a:p>
             <a:fld id="{A3B9AB5F-06E9-4442-A827-321CB3A01200}" type="datetimeFigureOut">
               <a:rPr lang="en-US" smtClean="0"/>
-              <a:t>9/10/2014</a:t>
+              <a:t>9/13/2014</a:t>
             </a:fld>
             <a:endParaRPr lang="en-US"/>
           </a:p>
@@ -3247,16 +3247,11 @@
               <a:rPr lang="en-US" dirty="0" smtClean="0"/>
               <a:t>Initial Submission</a:t>
             </a:r>
-            <a:endParaRPr lang="en-US" dirty="0" smtClean="0"/>
-          </a:p>
-          <a:p>
-            <a:r>
-              <a:rPr lang="en-US" dirty="0" smtClean="0"/>
-              <a:t>September </a:t>
-            </a:r>
-            <a:r>
-              <a:rPr lang="en-US" dirty="0" smtClean="0"/>
-              <a:t>2014</a:t>
+          </a:p>
+          <a:p>
+            <a:r>
+              <a:rPr lang="en-US" dirty="0" smtClean="0"/>
+              <a:t>September 2014</a:t>
             </a:r>
             <a:endParaRPr lang="en-US" dirty="0"/>
           </a:p>
@@ -3473,7 +3468,15 @@
             <a:pPr lvl="1"/>
             <a:r>
               <a:rPr lang="en-US" sz="1800" dirty="0" smtClean="0"/>
-              <a:t>The first phase uses OMG technologies (MOF &amp; QVT) and is set by the GRA-UML specification.</a:t>
+              <a:t>The first phase uses OMG technologies (MOF &amp; QVT) and is </a:t>
+            </a:r>
+            <a:r>
+              <a:rPr lang="en-US" sz="1800" dirty="0" smtClean="0"/>
+              <a:t>fixed </a:t>
+            </a:r>
+            <a:r>
+              <a:rPr lang="en-US" sz="1800" dirty="0" smtClean="0"/>
+              <a:t>by the GRA-UML specification.</a:t>
             </a:r>
           </a:p>
           <a:p>
@@ -3531,7 +3534,11 @@
             <a:pPr lvl="1"/>
             <a:r>
               <a:rPr lang="en-US" sz="1800" dirty="0" smtClean="0"/>
-              <a:t>XSLT and Ant are available on all mainstream platforms. These are technologies developers are used to dealing with. However, XSLT lacks the expressiveness required to process complex UML models.</a:t>
+              <a:t>XSLT and Ant are available on all mainstream platforms. These are technologies developers are used to dealing with. However, XSLT lacks the expressiveness required to process complex UML </a:t>
+            </a:r>
+            <a:r>
+              <a:rPr lang="en-US" sz="1800" dirty="0" smtClean="0"/>
+              <a:t>models as required in phase one.</a:t>
             </a:r>
             <a:endParaRPr lang="en-US" sz="1800" dirty="0"/>
           </a:p>
@@ -3779,11 +3786,7 @@
           <a:p>
             <a:r>
               <a:rPr lang="en-US" sz="4000" dirty="0" smtClean="0"/>
-              <a:t>Two </a:t>
-            </a:r>
-            <a:r>
-              <a:rPr lang="en-US" sz="4000" dirty="0" smtClean="0"/>
-              <a:t>Phase Provisioning</a:t>
+              <a:t>Two Phase Provisioning</a:t>
             </a:r>
             <a:endParaRPr lang="en-US" sz="4000" dirty="0"/>
           </a:p>
@@ -4303,7 +4306,15 @@
           <a:p>
             <a:r>
               <a:rPr lang="en-US" dirty="0" smtClean="0"/>
-              <a:t>Services architect creates UML model for the required services, using the NIEM data types</a:t>
+              <a:t>Services architect creates UML model for the required </a:t>
+            </a:r>
+            <a:r>
+              <a:rPr lang="en-US" dirty="0" smtClean="0"/>
+              <a:t>services as UML interfaces and components, </a:t>
+            </a:r>
+            <a:r>
+              <a:rPr lang="en-US" dirty="0" smtClean="0"/>
+              <a:t>using the NIEM data types</a:t>
             </a:r>
           </a:p>
           <a:p>
@@ -4625,11 +4636,7 @@
           <a:p>
             <a:r>
               <a:rPr lang="en-US" dirty="0" smtClean="0"/>
-              <a:t>GRA: Real </a:t>
-            </a:r>
-            <a:r>
-              <a:rPr lang="en-US" dirty="0" smtClean="0"/>
-              <a:t>World Effect</a:t>
+              <a:t>GRA: Real World Effect</a:t>
             </a:r>
             <a:endParaRPr lang="en-US" dirty="0"/>
           </a:p>
@@ -5270,15 +5277,7 @@
           <a:p>
             <a:r>
               <a:rPr lang="en-US" dirty="0" smtClean="0"/>
-              <a:t>Become </a:t>
-            </a:r>
-            <a:r>
-              <a:rPr lang="en-US" dirty="0" smtClean="0"/>
-              <a:t> GRA Exchange </a:t>
-            </a:r>
-            <a:r>
-              <a:rPr lang="en-US" dirty="0" smtClean="0"/>
-              <a:t>Choreographies</a:t>
+              <a:t>Become  GRA Exchange Choreographies</a:t>
             </a:r>
             <a:endParaRPr lang="en-US" dirty="0"/>
           </a:p>
@@ -5363,13 +5362,8 @@
           <a:p>
             <a:r>
               <a:rPr lang="en-US" dirty="0" smtClean="0"/>
-              <a:t>RFP </a:t>
-            </a:r>
-            <a:r>
-              <a:rPr lang="en-US" dirty="0" smtClean="0"/>
-              <a:t>was issued September 2013</a:t>
-            </a:r>
-            <a:endParaRPr lang="en-US" dirty="0" smtClean="0"/>
+              <a:t>RFP was issued September 2013</a:t>
+            </a:r>
           </a:p>
           <a:p>
             <a:r>
@@ -5384,7 +5378,6 @@
               <a:rPr lang="en-US" dirty="0" smtClean="0"/>
               <a:t>, 2014</a:t>
             </a:r>
-            <a:endParaRPr lang="en-US" dirty="0" smtClean="0"/>
           </a:p>
           <a:p>
             <a:pPr lvl="1"/>
@@ -5413,15 +5406,7 @@
           <a:p>
             <a:r>
               <a:rPr lang="en-US" dirty="0" smtClean="0"/>
-              <a:t>Details </a:t>
-            </a:r>
-            <a:r>
-              <a:rPr lang="en-US" dirty="0" smtClean="0"/>
-              <a:t>and machine readable artifacts available </a:t>
-            </a:r>
-            <a:r>
-              <a:rPr lang="en-US" dirty="0" smtClean="0"/>
-              <a:t>on GIT site</a:t>
+              <a:t>Details and machine readable artifacts available on GIT site</a:t>
             </a:r>
           </a:p>
           <a:p>
@@ -5444,11 +5429,7 @@
             <a:pPr lvl="1"/>
             <a:r>
               <a:rPr lang="en-US" dirty="0" smtClean="0"/>
-              <a:t>Fully </a:t>
-            </a:r>
-            <a:r>
-              <a:rPr lang="en-US" dirty="0" smtClean="0"/>
-              <a:t>OMG conformant artifacts will be provided as part of the final submission. Currently Eclipse and </a:t>
+              <a:t>Fully OMG conformant artifacts will be provided as part of the final submission. Currently Eclipse and </a:t>
             </a:r>
             <a:r>
               <a:rPr lang="en-US" dirty="0" err="1" smtClean="0"/>
@@ -5468,15 +5449,7 @@
           <a:p>
             <a:r>
               <a:rPr lang="en-US" dirty="0" smtClean="0"/>
-              <a:t>Participation </a:t>
-            </a:r>
-            <a:r>
-              <a:rPr lang="en-US" dirty="0" smtClean="0"/>
-              <a:t>and comments </a:t>
-            </a:r>
-            <a:r>
-              <a:rPr lang="en-US" dirty="0" smtClean="0"/>
-              <a:t>welcome. </a:t>
+              <a:t>Participation and comments welcome. </a:t>
             </a:r>
           </a:p>
           <a:p>
@@ -5825,8 +5798,16 @@
           <a:lstStyle/>
           <a:p>
             <a:r>
+              <a:rPr lang="en-US" sz="4000" dirty="0" err="1" smtClean="0"/>
+              <a:t>Exammple</a:t>
+            </a:r>
+            <a:r>
               <a:rPr lang="en-US" sz="4000" dirty="0" smtClean="0"/>
-              <a:t>SIDD (Service Interface) Metadata</a:t>
+              <a:t> SIDD </a:t>
+            </a:r>
+            <a:r>
+              <a:rPr lang="en-US" sz="4000" dirty="0" smtClean="0"/>
+              <a:t>(Service Interface) Metadata</a:t>
             </a:r>
             <a:endParaRPr lang="en-US" sz="4000" dirty="0"/>
           </a:p>
@@ -5940,7 +5921,7 @@
           <a:p>
             <a:r>
               <a:rPr lang="en-US" dirty="0" smtClean="0"/>
-              <a:t>Phases</a:t>
+              <a:t>Phases Summary</a:t>
             </a:r>
             <a:endParaRPr lang="en-US" dirty="0"/>
           </a:p>
@@ -5963,48 +5944,19 @@
           <a:p>
             <a:r>
               <a:rPr lang="en-US" dirty="0" smtClean="0"/>
-              <a:t>Metadata plus PIM information is output to </a:t>
-            </a:r>
-            <a:r>
-              <a:rPr lang="en-US" dirty="0" smtClean="0"/>
-              <a:t>a skeleton </a:t>
-            </a:r>
-            <a:r>
-              <a:rPr lang="en-US" dirty="0" smtClean="0"/>
-              <a:t>SSP </a:t>
-            </a:r>
-            <a:r>
-              <a:rPr lang="en-US" dirty="0" smtClean="0"/>
-              <a:t>with “annotation.xml” reflecting the UML instances.</a:t>
-            </a:r>
-            <a:endParaRPr lang="en-US" dirty="0" smtClean="0"/>
-          </a:p>
-          <a:p>
-            <a:r>
-              <a:rPr lang="en-US" dirty="0" smtClean="0"/>
-              <a:t>XSLT and Ant </a:t>
-            </a:r>
-            <a:r>
-              <a:rPr lang="en-US" dirty="0" smtClean="0"/>
-              <a:t>is then used to process these files to produce final </a:t>
-            </a:r>
-            <a:r>
-              <a:rPr lang="en-US" dirty="0" smtClean="0"/>
-              <a:t>SSP. </a:t>
-            </a:r>
-          </a:p>
-          <a:p>
-            <a:r>
-              <a:rPr lang="en-US" dirty="0" smtClean="0"/>
-              <a:t>Developers </a:t>
-            </a:r>
-            <a:r>
-              <a:rPr lang="en-US" dirty="0" smtClean="0"/>
-              <a:t>will be able to “tune” phase 2 for use of other styles and </a:t>
-            </a:r>
-            <a:r>
-              <a:rPr lang="en-US" dirty="0" smtClean="0"/>
-              <a:t>technologies. It is expected there will be a selection of reusable phase-2 templates.</a:t>
+              <a:t>Metadata plus PIM information is output to a skeleton SSP with “annotation.xml” reflecting the UML instances.</a:t>
+            </a:r>
+          </a:p>
+          <a:p>
+            <a:r>
+              <a:rPr lang="en-US" dirty="0" smtClean="0"/>
+              <a:t>XSLT and Ant is then used to process these files to produce final SSP. </a:t>
+            </a:r>
+          </a:p>
+          <a:p>
+            <a:r>
+              <a:rPr lang="en-US" dirty="0" smtClean="0"/>
+              <a:t>Developers will be able to “tune” phase 2 for use of other styles and technologies. It is expected there will be a selection of reusable phase-2 templates.</a:t>
             </a:r>
             <a:endParaRPr lang="en-US" dirty="0"/>
           </a:p>
@@ -6961,11 +6913,7 @@
             </a:r>
             <a:r>
               <a:rPr lang="en-US" dirty="0" smtClean="0"/>
-              <a:t> </a:t>
-            </a:r>
-            <a:r>
-              <a:rPr lang="en-US" dirty="0" smtClean="0"/>
-              <a:t>a complete and conformant GRA service specification (SSP)</a:t>
+              <a:t> a complete and conformant GRA service specification (SSP)</a:t>
             </a:r>
           </a:p>
           <a:p>
@@ -7876,7 +7824,19 @@
             <a:pPr lvl="1"/>
             <a:r>
               <a:rPr lang="en-US" sz="1800" dirty="0" smtClean="0"/>
-              <a:t>The UML class annotation model is considered part of the profile</a:t>
+              <a:t>The UML </a:t>
+            </a:r>
+            <a:r>
+              <a:rPr lang="en-US" sz="1800" dirty="0" smtClean="0"/>
+              <a:t>annotation </a:t>
+            </a:r>
+            <a:r>
+              <a:rPr lang="en-US" sz="1800" dirty="0"/>
+              <a:t>class model </a:t>
+            </a:r>
+            <a:r>
+              <a:rPr lang="en-US" sz="1800" dirty="0" smtClean="0"/>
+              <a:t>is considered part of the profile</a:t>
             </a:r>
           </a:p>
           <a:p>
